--- a/상승추세인 주식 찾기.pptx
+++ b/상승추세인 주식 찾기.pptx
@@ -107,6 +107,11 @@
       </a:defRPr>
     </a:lvl9pPr>
   </p:defaultTextStyle>
+  <p:extLst>
+    <p:ext uri="{EFAFB233-063F-42B5-8137-9DF3F51BA10A}">
+      <p15:sldGuideLst xmlns:p15="http://schemas.microsoft.com/office/powerpoint/2012/main"/>
+    </p:ext>
+  </p:extLst>
 </p:presentation>
 </file>
 
@@ -3479,21 +3484,39 @@
             </a:r>
             <a:r>
               <a:rPr lang="ko-KR" altLang="en-US" dirty="0"/>
-              <a:t> 아시 캔들</a:t>
+              <a:t> 아시 캔들 </a:t>
+            </a:r>
+            <a:r>
+              <a:rPr lang="en-US" altLang="ko-KR" dirty="0"/>
+              <a:t>: </a:t>
+            </a:r>
+            <a:r>
+              <a:rPr lang="ko-KR" altLang="en-US" dirty="0"/>
+              <a:t>추세를 확인하는데 용이한 캔들</a:t>
             </a:r>
             <a:endParaRPr lang="en-US" altLang="ko-KR" dirty="0"/>
           </a:p>
           <a:p>
             <a:r>
               <a:rPr lang="en-US" altLang="ko-KR" dirty="0"/>
-              <a:t>9ema</a:t>
-            </a:r>
+              <a:t>9ema : 9</a:t>
+            </a:r>
+            <a:r>
+              <a:rPr lang="ko-KR" altLang="en-US" dirty="0"/>
+              <a:t>개의 봉을 기준을 하는 이동평균선</a:t>
+            </a:r>
+            <a:endParaRPr lang="en-US" altLang="ko-KR" dirty="0"/>
           </a:p>
           <a:p>
             <a:r>
               <a:rPr lang="en-US" altLang="ko-KR" dirty="0"/>
-              <a:t>18ema</a:t>
-            </a:r>
+              <a:t>18ema : 18</a:t>
+            </a:r>
+            <a:r>
+              <a:rPr lang="ko-KR" altLang="en-US" dirty="0"/>
+              <a:t>개의 봉을 기준을 하는 이동평균선</a:t>
+            </a:r>
+            <a:endParaRPr lang="en-US" altLang="ko-KR" dirty="0"/>
           </a:p>
           <a:p>
             <a:r>
@@ -3504,7 +3527,38 @@
               <a:rPr lang="ko-KR" altLang="en-US" dirty="0" err="1"/>
               <a:t>오슐레이터</a:t>
             </a:r>
-            <a:endParaRPr lang="en-US" altLang="ko-KR" dirty="0"/>
+            <a:r>
+              <a:rPr lang="ko-KR" altLang="en-US" dirty="0"/>
+              <a:t> </a:t>
+            </a:r>
+            <a:r>
+              <a:rPr lang="en-US" altLang="ko-KR" dirty="0"/>
+              <a:t>: </a:t>
+            </a:r>
+            <a:r>
+              <a:rPr lang="ko-KR" altLang="en-US" dirty="0"/>
+              <a:t>거래량 평균대</a:t>
+            </a:r>
+            <a:r>
+              <a:rPr lang="en-US" altLang="ko-KR" dirty="0"/>
+              <a:t>(0 </a:t>
+            </a:r>
+            <a:r>
+              <a:rPr lang="ko-KR" altLang="en-US" dirty="0"/>
+              <a:t>이상일 경우</a:t>
+            </a:r>
+            <a:r>
+              <a:rPr lang="en-US" altLang="ko-KR" dirty="0"/>
+              <a:t> </a:t>
+            </a:r>
+            <a:r>
+              <a:rPr lang="ko-KR" altLang="en-US" dirty="0"/>
+              <a:t>거래량이 많음</a:t>
+            </a:r>
+            <a:r>
+              <a:rPr lang="en-US" altLang="ko-KR" dirty="0"/>
+              <a:t>)</a:t>
+            </a:r>
           </a:p>
           <a:p>
             <a:r>
@@ -3513,7 +3567,7 @@
             </a:r>
             <a:r>
               <a:rPr lang="ko-KR" altLang="en-US" dirty="0"/>
-              <a:t>모델 학습</a:t>
+              <a:t>모델 학습 </a:t>
             </a:r>
             <a:endParaRPr lang="en-US" altLang="ko-KR" dirty="0"/>
           </a:p>

--- a/상승추세인 주식 찾기.pptx
+++ b/상승추세인 주식 찾기.pptx
@@ -3658,7 +3658,7 @@
         <p:spPr>
           <a:xfrm>
             <a:off x="8567059" y="105672"/>
-            <a:ext cx="3425371" cy="6494085"/>
+            <a:ext cx="3425371" cy="6771084"/>
           </a:xfrm>
           <a:prstGeom prst="rect">
             <a:avLst/>
@@ -3866,8 +3866,12 @@
               <a:t>0 </a:t>
             </a:r>
             <a:r>
+              <a:rPr lang="ko-KR" altLang="en-US" dirty="0"/>
+              <a:t>이상으로 상향돌파 </a:t>
+            </a:r>
+            <a:r>
               <a:rPr lang="ko-KR" altLang="en-US" dirty="0" err="1"/>
-              <a:t>이상이여야한다</a:t>
+              <a:t>하여야한다</a:t>
             </a:r>
             <a:r>
               <a:rPr lang="en-US" altLang="ko-KR" dirty="0"/>
@@ -3916,7 +3920,19 @@
             </a:r>
             <a:r>
               <a:rPr lang="ko-KR" altLang="en-US" dirty="0"/>
-              <a:t>배</a:t>
+              <a:t>배이면서 볼륨 </a:t>
+            </a:r>
+            <a:r>
+              <a:rPr lang="ko-KR" altLang="en-US" dirty="0" err="1"/>
+              <a:t>오실레이터가</a:t>
+            </a:r>
+            <a:r>
+              <a:rPr lang="ko-KR" altLang="en-US" dirty="0"/>
+              <a:t> </a:t>
+            </a:r>
+            <a:r>
+              <a:rPr lang="ko-KR" altLang="en-US" dirty="0" err="1"/>
+              <a:t>하향돌파시</a:t>
             </a:r>
             <a:r>
               <a:rPr lang="en-US" altLang="ko-KR" dirty="0"/>
